--- a/PPT/DAA 3 - Brute Force.pptx
+++ b/PPT/DAA 3 - Brute Force.pptx
@@ -215,7 +215,7 @@
           <a:p>
             <a:fld id="{3755E378-717E-4EDD-B6F0-1A61DE4A6357}" type="datetimeFigureOut">
               <a:rPr lang="id-ID" smtClean="0"/>
-              <a:t>27/08/2017</a:t>
+              <a:t>28/08/2017</a:t>
             </a:fld>
             <a:endParaRPr lang="id-ID"/>
           </a:p>
@@ -707,7 +707,7 @@
           <a:p>
             <a:fld id="{0A87E0DB-C986-4BE0-8B71-BEC20FC75F31}" type="datetime1">
               <a:rPr lang="en-US" smtClean="0"/>
-              <a:t>8/27/2017</a:t>
+              <a:t>8/28/2017</a:t>
             </a:fld>
             <a:endParaRPr lang="en-US" dirty="0"/>
           </a:p>
@@ -881,7 +881,7 @@
           <a:p>
             <a:fld id="{871B9B88-06C8-4544-A56A-A330066B83A1}" type="datetime1">
               <a:rPr lang="en-US" smtClean="0"/>
-              <a:t>8/27/2017</a:t>
+              <a:t>8/28/2017</a:t>
             </a:fld>
             <a:endParaRPr lang="en-US" dirty="0"/>
           </a:p>
@@ -1065,7 +1065,7 @@
           <a:p>
             <a:fld id="{0B1C4918-906F-4E6E-839A-7A75118FAD87}" type="datetime1">
               <a:rPr lang="en-US" smtClean="0"/>
-              <a:t>8/27/2017</a:t>
+              <a:t>8/28/2017</a:t>
             </a:fld>
             <a:endParaRPr lang="en-US" dirty="0"/>
           </a:p>
@@ -1239,7 +1239,7 @@
           <a:p>
             <a:fld id="{08DCBC18-D293-4E5E-BD56-171F27B80CBF}" type="datetime1">
               <a:rPr lang="en-US" smtClean="0"/>
-              <a:t>8/27/2017</a:t>
+              <a:t>8/28/2017</a:t>
             </a:fld>
             <a:endParaRPr lang="en-US" dirty="0"/>
           </a:p>
@@ -1501,7 +1501,7 @@
           <a:p>
             <a:fld id="{B6AAA96E-DFD9-4E54-8227-F15E2B5525BF}" type="datetime1">
               <a:rPr lang="en-US" smtClean="0"/>
-              <a:t>8/27/2017</a:t>
+              <a:t>8/28/2017</a:t>
             </a:fld>
             <a:endParaRPr lang="en-US" dirty="0"/>
           </a:p>
@@ -1793,7 +1793,7 @@
           <a:p>
             <a:fld id="{7DBDD1B9-BFD3-4C9E-B5F2-6A92D80B6550}" type="datetime1">
               <a:rPr lang="en-US" smtClean="0"/>
-              <a:t>8/27/2017</a:t>
+              <a:t>8/28/2017</a:t>
             </a:fld>
             <a:endParaRPr lang="en-US" dirty="0"/>
           </a:p>
@@ -2239,7 +2239,7 @@
           <a:p>
             <a:fld id="{E6A092FA-A457-41AC-8828-31F15A790A46}" type="datetime1">
               <a:rPr lang="en-US" smtClean="0"/>
-              <a:t>8/27/2017</a:t>
+              <a:t>8/28/2017</a:t>
             </a:fld>
             <a:endParaRPr lang="en-US" dirty="0"/>
           </a:p>
@@ -2361,7 +2361,7 @@
           <a:p>
             <a:fld id="{5998277C-F707-4B88-B919-45B666CD3BE8}" type="datetime1">
               <a:rPr lang="en-US" smtClean="0"/>
-              <a:t>8/27/2017</a:t>
+              <a:t>8/28/2017</a:t>
             </a:fld>
             <a:endParaRPr lang="en-US" dirty="0"/>
           </a:p>
@@ -2460,7 +2460,7 @@
           <a:p>
             <a:fld id="{753F89B9-52F5-4890-9365-38C8DFE7ABA1}" type="datetime1">
               <a:rPr lang="en-US" smtClean="0"/>
-              <a:t>8/27/2017</a:t>
+              <a:t>8/28/2017</a:t>
             </a:fld>
             <a:endParaRPr lang="en-US" dirty="0"/>
           </a:p>
@@ -2752,7 +2752,7 @@
           <a:p>
             <a:fld id="{92DD06AE-6785-4EAA-BF4E-1487F970BB05}" type="datetime1">
               <a:rPr lang="en-US" smtClean="0"/>
-              <a:t>8/27/2017</a:t>
+              <a:t>8/28/2017</a:t>
             </a:fld>
             <a:endParaRPr lang="en-US" dirty="0"/>
           </a:p>
@@ -3029,7 +3029,7 @@
           <a:p>
             <a:fld id="{8E9DBC01-D1C9-4051-B10C-B27049F9E50A}" type="datetime1">
               <a:rPr lang="en-US" smtClean="0"/>
-              <a:t>8/27/2017</a:t>
+              <a:t>8/28/2017</a:t>
             </a:fld>
             <a:endParaRPr lang="en-US" dirty="0"/>
           </a:p>
@@ -3330,7 +3330,7 @@
           <a:p>
             <a:fld id="{19357DCC-5B0B-4C2E-B1C8-051A11244266}" type="datetime1">
               <a:rPr lang="en-US" smtClean="0"/>
-              <a:t>8/27/2017</a:t>
+              <a:t>8/28/2017</a:t>
             </a:fld>
             <a:endParaRPr lang="en-US" dirty="0"/>
           </a:p>
@@ -9385,21 +9385,7 @@
                 <a:latin typeface="Courier New" panose="02070309020205020404" pitchFamily="49" charset="0"/>
                 <a:cs typeface="Courier New" panose="02070309020205020404" pitchFamily="49" charset="0"/>
               </a:rPr>
-              <a:t> i </a:t>
-            </a:r>
-            <a:r>
-              <a:rPr lang="id-ID" sz="1600" dirty="0" smtClean="0">
-                <a:latin typeface="Courier New" panose="02070309020205020404" pitchFamily="49" charset="0"/>
-                <a:cs typeface="Courier New" panose="02070309020205020404" pitchFamily="49" charset="0"/>
-              </a:rPr>
-              <a:t>= </a:t>
-            </a:r>
-            <a:r>
-              <a:rPr lang="id-ID" sz="1600" dirty="0" smtClean="0">
-                <a:latin typeface="Courier New" panose="02070309020205020404" pitchFamily="49" charset="0"/>
-                <a:cs typeface="Courier New" panose="02070309020205020404" pitchFamily="49" charset="0"/>
-              </a:rPr>
-              <a:t>0 </a:t>
+              <a:t> i = 0 </a:t>
             </a:r>
             <a:r>
               <a:rPr lang="id-ID" sz="1600" b="1" dirty="0" smtClean="0">
@@ -9930,8 +9916,8 @@
           </a:p>
         </p:txBody>
       </p:sp>
-      <mc:AlternateContent xmlns:mc="http://schemas.openxmlformats.org/markup-compatibility/2006">
-        <mc:Choice xmlns:a14="http://schemas.microsoft.com/office/drawing/2010/main" Requires="a14">
+      <mc:AlternateContent xmlns:mc="http://schemas.openxmlformats.org/markup-compatibility/2006" xmlns:a14="http://schemas.microsoft.com/office/drawing/2010/main">
+        <mc:Choice Requires="a14">
           <p:sp>
             <p:nvSpPr>
               <p:cNvPr id="6" name="Content Placeholder 5"/>
@@ -10133,7 +10119,7 @@
             </p:txBody>
           </p:sp>
         </mc:Choice>
-        <mc:Fallback>
+        <mc:Fallback xmlns="">
           <p:sp>
             <p:nvSpPr>
               <p:cNvPr id="6" name="Content Placeholder 5"/>
@@ -10217,8 +10203,8 @@
           </a:p>
         </p:txBody>
       </p:sp>
-      <mc:AlternateContent xmlns:mc="http://schemas.openxmlformats.org/markup-compatibility/2006">
-        <mc:Choice xmlns:a14="http://schemas.microsoft.com/office/drawing/2010/main" Requires="a14">
+      <mc:AlternateContent xmlns:mc="http://schemas.openxmlformats.org/markup-compatibility/2006" xmlns:a14="http://schemas.microsoft.com/office/drawing/2010/main">
+        <mc:Choice Requires="a14">
           <p:sp>
             <p:nvSpPr>
               <p:cNvPr id="7" name="TextBox 6"/>
@@ -10241,6 +10227,7 @@
               </a:bodyPr>
               <a:lstStyle/>
               <a:p>
+                <a:pPr/>
                 <a14:m>
                   <m:oMathPara xmlns:m="http://schemas.openxmlformats.org/officeDocument/2006/math">
                     <m:oMathParaPr>
@@ -10857,7 +10844,7 @@
             </p:txBody>
           </p:sp>
         </mc:Choice>
-        <mc:Fallback>
+        <mc:Fallback xmlns="">
           <p:sp>
             <p:nvSpPr>
               <p:cNvPr id="7" name="TextBox 6"/>
@@ -10896,8 +10883,8 @@
           </p:sp>
         </mc:Fallback>
       </mc:AlternateContent>
-      <mc:AlternateContent xmlns:mc="http://schemas.openxmlformats.org/markup-compatibility/2006">
-        <mc:Choice xmlns:a14="http://schemas.microsoft.com/office/drawing/2010/main" Requires="a14">
+      <mc:AlternateContent xmlns:mc="http://schemas.openxmlformats.org/markup-compatibility/2006" xmlns:a14="http://schemas.microsoft.com/office/drawing/2010/main">
+        <mc:Choice Requires="a14">
           <p:sp>
             <p:nvSpPr>
               <p:cNvPr id="8" name="TextBox 7"/>
@@ -10984,7 +10971,7 @@
             </p:txBody>
           </p:sp>
         </mc:Choice>
-        <mc:Fallback>
+        <mc:Fallback xmlns="">
           <p:sp>
             <p:nvSpPr>
               <p:cNvPr id="8" name="TextBox 7"/>
@@ -12929,7 +12916,15 @@
             </a:pPr>
             <a:r>
               <a:rPr lang="id-ID" dirty="0" smtClean="0"/>
-              <a:t>Langkah pendekatan paling mudah karena hany perlu menterjemahkan konsep penyelesaiannya ke dalam bahasa mesin</a:t>
+              <a:t>Langkah pendekatan paling mudah karena </a:t>
+            </a:r>
+            <a:r>
+              <a:rPr lang="id-ID" dirty="0" smtClean="0"/>
+              <a:t>hanya </a:t>
+            </a:r>
+            <a:r>
+              <a:rPr lang="id-ID" dirty="0" smtClean="0"/>
+              <a:t>perlu menterjemahkan konsep penyelesaiannya ke dalam bahasa mesin</a:t>
             </a:r>
             <a:endParaRPr lang="id-ID" dirty="0"/>
           </a:p>
